--- a/Wish_final_presentation.pptx
+++ b/Wish_final_presentation.pptx
@@ -111,6 +111,11 @@
       </a:defRPr>
     </a:lvl9pPr>
   </p:defaultTextStyle>
+  <p:extLst>
+    <p:ext uri="{EFAFB233-063F-42B5-8137-9DF3F51BA10A}">
+      <p15:sldGuideLst xmlns:p15="http://schemas.microsoft.com/office/powerpoint/2012/main"/>
+    </p:ext>
+  </p:extLst>
 </p:presentation>
 </file>
 
@@ -261,7 +266,7 @@
           <a:p>
             <a:fld id="{752C438E-16B8-4F9B-A421-D34EE426AA87}" type="datetimeFigureOut">
               <a:rPr lang="en-US" smtClean="0"/>
-              <a:t>9/21/2020</a:t>
+              <a:t>9/23/2020</a:t>
             </a:fld>
             <a:endParaRPr lang="en-US"/>
           </a:p>
@@ -459,7 +464,7 @@
           <a:p>
             <a:fld id="{752C438E-16B8-4F9B-A421-D34EE426AA87}" type="datetimeFigureOut">
               <a:rPr lang="en-US" smtClean="0"/>
-              <a:t>9/21/2020</a:t>
+              <a:t>9/23/2020</a:t>
             </a:fld>
             <a:endParaRPr lang="en-US"/>
           </a:p>
@@ -667,7 +672,7 @@
           <a:p>
             <a:fld id="{752C438E-16B8-4F9B-A421-D34EE426AA87}" type="datetimeFigureOut">
               <a:rPr lang="en-US" smtClean="0"/>
-              <a:t>9/21/2020</a:t>
+              <a:t>9/23/2020</a:t>
             </a:fld>
             <a:endParaRPr lang="en-US"/>
           </a:p>
@@ -865,7 +870,7 @@
           <a:p>
             <a:fld id="{752C438E-16B8-4F9B-A421-D34EE426AA87}" type="datetimeFigureOut">
               <a:rPr lang="en-US" smtClean="0"/>
-              <a:t>9/21/2020</a:t>
+              <a:t>9/23/2020</a:t>
             </a:fld>
             <a:endParaRPr lang="en-US"/>
           </a:p>
@@ -1140,7 +1145,7 @@
           <a:p>
             <a:fld id="{752C438E-16B8-4F9B-A421-D34EE426AA87}" type="datetimeFigureOut">
               <a:rPr lang="en-US" smtClean="0"/>
-              <a:t>9/21/2020</a:t>
+              <a:t>9/23/2020</a:t>
             </a:fld>
             <a:endParaRPr lang="en-US"/>
           </a:p>
@@ -1405,7 +1410,7 @@
           <a:p>
             <a:fld id="{752C438E-16B8-4F9B-A421-D34EE426AA87}" type="datetimeFigureOut">
               <a:rPr lang="en-US" smtClean="0"/>
-              <a:t>9/21/2020</a:t>
+              <a:t>9/23/2020</a:t>
             </a:fld>
             <a:endParaRPr lang="en-US"/>
           </a:p>
@@ -1817,7 +1822,7 @@
           <a:p>
             <a:fld id="{752C438E-16B8-4F9B-A421-D34EE426AA87}" type="datetimeFigureOut">
               <a:rPr lang="en-US" smtClean="0"/>
-              <a:t>9/21/2020</a:t>
+              <a:t>9/23/2020</a:t>
             </a:fld>
             <a:endParaRPr lang="en-US"/>
           </a:p>
@@ -1958,7 +1963,7 @@
           <a:p>
             <a:fld id="{752C438E-16B8-4F9B-A421-D34EE426AA87}" type="datetimeFigureOut">
               <a:rPr lang="en-US" smtClean="0"/>
-              <a:t>9/21/2020</a:t>
+              <a:t>9/23/2020</a:t>
             </a:fld>
             <a:endParaRPr lang="en-US"/>
           </a:p>
@@ -2071,7 +2076,7 @@
           <a:p>
             <a:fld id="{752C438E-16B8-4F9B-A421-D34EE426AA87}" type="datetimeFigureOut">
               <a:rPr lang="en-US" smtClean="0"/>
-              <a:t>9/21/2020</a:t>
+              <a:t>9/23/2020</a:t>
             </a:fld>
             <a:endParaRPr lang="en-US"/>
           </a:p>
@@ -2382,7 +2387,7 @@
           <a:p>
             <a:fld id="{752C438E-16B8-4F9B-A421-D34EE426AA87}" type="datetimeFigureOut">
               <a:rPr lang="en-US" smtClean="0"/>
-              <a:t>9/21/2020</a:t>
+              <a:t>9/23/2020</a:t>
             </a:fld>
             <a:endParaRPr lang="en-US"/>
           </a:p>
@@ -2670,7 +2675,7 @@
           <a:p>
             <a:fld id="{752C438E-16B8-4F9B-A421-D34EE426AA87}" type="datetimeFigureOut">
               <a:rPr lang="en-US" smtClean="0"/>
-              <a:t>9/21/2020</a:t>
+              <a:t>9/23/2020</a:t>
             </a:fld>
             <a:endParaRPr lang="en-US"/>
           </a:p>
@@ -2911,7 +2916,7 @@
           <a:p>
             <a:fld id="{752C438E-16B8-4F9B-A421-D34EE426AA87}" type="datetimeFigureOut">
               <a:rPr lang="en-US" smtClean="0"/>
-              <a:t>9/21/2020</a:t>
+              <a:t>9/23/2020</a:t>
             </a:fld>
             <a:endParaRPr lang="en-US"/>
           </a:p>
@@ -4328,7 +4333,7 @@
               <a:rPr lang="en-US" sz="2400" dirty="0">
                 <a:latin typeface="Bahnschrift Light Condensed" panose="020B0502040204020203" pitchFamily="34" charset="0"/>
               </a:rPr>
-              <a:t>The data comes from the Wish platform.</a:t>
+              <a:t>The data comes from the Wish platform (French localization)</a:t>
             </a:r>
           </a:p>
           <a:p>
@@ -4489,7 +4494,7 @@
         </p:style>
         <p:txBody>
           <a:bodyPr>
-            <a:normAutofit/>
+            <a:normAutofit lnSpcReduction="10000"/>
           </a:bodyPr>
           <a:lstStyle/>
           <a:p>
@@ -4497,7 +4502,7 @@
               <a:rPr lang="en-US" b="1" dirty="0">
                 <a:latin typeface="Bahnschrift Light Condensed" panose="020B0502040204020203" pitchFamily="34" charset="0"/>
               </a:rPr>
-              <a:t>Is Wish providing merchants with effective product services ?</a:t>
+              <a:t>Is Wish providing merchants with effective product services to increase revenue ?</a:t>
             </a:r>
           </a:p>
         </p:txBody>
@@ -4546,11 +4551,13 @@
               </a:ext>
             </a:extLst>
           </p:cNvPr>
-          <p:cNvCxnSpPr/>
+          <p:cNvCxnSpPr>
+            <a:cxnSpLocks/>
+          </p:cNvCxnSpPr>
           <p:nvPr/>
         </p:nvCxnSpPr>
         <p:spPr>
-          <a:xfrm>
+          <a:xfrm rot="10800000">
             <a:off x="9487219" y="5784350"/>
             <a:ext cx="760288" cy="0"/>
           </a:xfrm>
@@ -4625,11 +4632,13 @@
               </a:ext>
             </a:extLst>
           </p:cNvPr>
-          <p:cNvCxnSpPr/>
+          <p:cNvCxnSpPr>
+            <a:cxnSpLocks/>
+          </p:cNvCxnSpPr>
           <p:nvPr/>
         </p:nvCxnSpPr>
         <p:spPr>
-          <a:xfrm flipH="1">
+          <a:xfrm rot="10800000" flipH="1">
             <a:off x="4859676" y="1357366"/>
             <a:ext cx="534257" cy="0"/>
           </a:xfrm>
@@ -4710,7 +4719,7 @@
           <p:nvPr/>
         </p:nvCxnSpPr>
         <p:spPr>
-          <a:xfrm>
+          <a:xfrm rot="10800000">
             <a:off x="9713251" y="5104543"/>
             <a:ext cx="914400" cy="0"/>
           </a:xfrm>
@@ -4773,6 +4782,398 @@
               </a:rPr>
               <a:t>Urgency Text</a:t>
             </a:r>
+          </a:p>
+        </p:txBody>
+      </p:sp>
+      <p:cxnSp>
+        <p:nvCxnSpPr>
+          <p:cNvPr id="5" name="Straight Arrow Connector 4">
+            <a:extLst>
+              <a:ext uri="{FF2B5EF4-FFF2-40B4-BE49-F238E27FC236}">
+                <a16:creationId xmlns:a16="http://schemas.microsoft.com/office/drawing/2014/main" id="{53F6E088-FB55-4B24-896E-1EBA4C296DA9}"/>
+              </a:ext>
+            </a:extLst>
+          </p:cNvPr>
+          <p:cNvCxnSpPr/>
+          <p:nvPr/>
+        </p:nvCxnSpPr>
+        <p:spPr>
+          <a:xfrm>
+            <a:off x="4607959" y="5784350"/>
+            <a:ext cx="1037690" cy="0"/>
+          </a:xfrm>
+          <a:prstGeom prst="straightConnector1">
+            <a:avLst/>
+          </a:prstGeom>
+          <a:ln w="38100">
+            <a:solidFill>
+              <a:schemeClr val="tx1"/>
+            </a:solidFill>
+            <a:tailEnd type="triangle"/>
+          </a:ln>
+        </p:spPr>
+        <p:style>
+          <a:lnRef idx="1">
+            <a:schemeClr val="accent1"/>
+          </a:lnRef>
+          <a:fillRef idx="0">
+            <a:schemeClr val="accent1"/>
+          </a:fillRef>
+          <a:effectRef idx="0">
+            <a:schemeClr val="accent1"/>
+          </a:effectRef>
+          <a:fontRef idx="minor">
+            <a:schemeClr val="tx1"/>
+          </a:fontRef>
+        </p:style>
+      </p:cxnSp>
+      <p:sp>
+        <p:nvSpPr>
+          <p:cNvPr id="6" name="TextBox 5">
+            <a:extLst>
+              <a:ext uri="{FF2B5EF4-FFF2-40B4-BE49-F238E27FC236}">
+                <a16:creationId xmlns:a16="http://schemas.microsoft.com/office/drawing/2014/main" id="{AE55E097-3DFD-496E-8467-B27D0DFF943D}"/>
+              </a:ext>
+            </a:extLst>
+          </p:cNvPr>
+          <p:cNvSpPr txBox="1"/>
+          <p:nvPr/>
+        </p:nvSpPr>
+        <p:spPr>
+          <a:xfrm>
+            <a:off x="4006922" y="5573473"/>
+            <a:ext cx="852754" cy="369332"/>
+          </a:xfrm>
+          <a:prstGeom prst="rect">
+            <a:avLst/>
+          </a:prstGeom>
+          <a:noFill/>
+        </p:spPr>
+        <p:txBody>
+          <a:bodyPr wrap="square" rtlCol="0">
+            <a:spAutoFit/>
+          </a:bodyPr>
+          <a:lstStyle/>
+          <a:p>
+            <a:r>
+              <a:rPr lang="en-US" dirty="0">
+                <a:latin typeface="Bahnschrift Light Condensed" panose="020B0502040204020203" pitchFamily="34" charset="0"/>
+              </a:rPr>
+              <a:t>Price</a:t>
+            </a:r>
+          </a:p>
+        </p:txBody>
+      </p:sp>
+      <p:cxnSp>
+        <p:nvCxnSpPr>
+          <p:cNvPr id="14" name="Straight Arrow Connector 13">
+            <a:extLst>
+              <a:ext uri="{FF2B5EF4-FFF2-40B4-BE49-F238E27FC236}">
+                <a16:creationId xmlns:a16="http://schemas.microsoft.com/office/drawing/2014/main" id="{82A8F5A8-6314-4808-83D2-6A20E95A4711}"/>
+              </a:ext>
+            </a:extLst>
+          </p:cNvPr>
+          <p:cNvCxnSpPr/>
+          <p:nvPr/>
+        </p:nvCxnSpPr>
+        <p:spPr>
+          <a:xfrm>
+            <a:off x="4607959" y="6265523"/>
+            <a:ext cx="1037690" cy="0"/>
+          </a:xfrm>
+          <a:prstGeom prst="straightConnector1">
+            <a:avLst/>
+          </a:prstGeom>
+          <a:ln w="38100">
+            <a:solidFill>
+              <a:schemeClr val="tx1"/>
+            </a:solidFill>
+            <a:tailEnd type="triangle"/>
+          </a:ln>
+        </p:spPr>
+        <p:style>
+          <a:lnRef idx="1">
+            <a:schemeClr val="accent1"/>
+          </a:lnRef>
+          <a:fillRef idx="0">
+            <a:schemeClr val="accent1"/>
+          </a:fillRef>
+          <a:effectRef idx="0">
+            <a:schemeClr val="accent1"/>
+          </a:effectRef>
+          <a:fontRef idx="minor">
+            <a:schemeClr val="tx1"/>
+          </a:fontRef>
+        </p:style>
+      </p:cxnSp>
+      <p:sp>
+        <p:nvSpPr>
+          <p:cNvPr id="8" name="TextBox 7">
+            <a:extLst>
+              <a:ext uri="{FF2B5EF4-FFF2-40B4-BE49-F238E27FC236}">
+                <a16:creationId xmlns:a16="http://schemas.microsoft.com/office/drawing/2014/main" id="{EB40CAE4-ECD8-4DBA-A6A6-6707643D94CE}"/>
+              </a:ext>
+            </a:extLst>
+          </p:cNvPr>
+          <p:cNvSpPr txBox="1"/>
+          <p:nvPr/>
+        </p:nvSpPr>
+        <p:spPr>
+          <a:xfrm>
+            <a:off x="3640361" y="6080857"/>
+            <a:ext cx="1282614" cy="369332"/>
+          </a:xfrm>
+          <a:prstGeom prst="rect">
+            <a:avLst/>
+          </a:prstGeom>
+          <a:noFill/>
+        </p:spPr>
+        <p:txBody>
+          <a:bodyPr wrap="square" rtlCol="0">
+            <a:spAutoFit/>
+          </a:bodyPr>
+          <a:lstStyle/>
+          <a:p>
+            <a:r>
+              <a:rPr lang="en-US" dirty="0">
+                <a:latin typeface="Bahnschrift Light Condensed" panose="020B0502040204020203" pitchFamily="34" charset="0"/>
+              </a:rPr>
+              <a:t>Units Sold</a:t>
+            </a:r>
+          </a:p>
+        </p:txBody>
+      </p:sp>
+      <p:sp>
+        <p:nvSpPr>
+          <p:cNvPr id="19" name="Content Placeholder 2">
+            <a:extLst>
+              <a:ext uri="{FF2B5EF4-FFF2-40B4-BE49-F238E27FC236}">
+                <a16:creationId xmlns:a16="http://schemas.microsoft.com/office/drawing/2014/main" id="{A4B1FFD7-83C0-40F9-8196-7FA13F95B80C}"/>
+              </a:ext>
+            </a:extLst>
+          </p:cNvPr>
+          <p:cNvSpPr txBox="1">
+            <a:spLocks/>
+          </p:cNvSpPr>
+          <p:nvPr/>
+        </p:nvSpPr>
+        <p:spPr>
+          <a:xfrm>
+            <a:off x="221750" y="3239053"/>
+            <a:ext cx="3634374" cy="1209658"/>
+          </a:xfrm>
+          <a:prstGeom prst="rect">
+            <a:avLst/>
+          </a:prstGeom>
+          <a:solidFill>
+            <a:schemeClr val="accent2"/>
+          </a:solidFill>
+        </p:spPr>
+        <p:style>
+          <a:lnRef idx="0">
+            <a:scrgbClr r="0" g="0" b="0"/>
+          </a:lnRef>
+          <a:fillRef idx="0">
+            <a:scrgbClr r="0" g="0" b="0"/>
+          </a:fillRef>
+          <a:effectRef idx="0">
+            <a:scrgbClr r="0" g="0" b="0"/>
+          </a:effectRef>
+          <a:fontRef idx="minor">
+            <a:schemeClr val="lt1"/>
+          </a:fontRef>
+        </p:style>
+        <p:txBody>
+          <a:bodyPr vert="horz" lIns="91440" tIns="45720" rIns="91440" bIns="45720" rtlCol="0">
+            <a:normAutofit/>
+          </a:bodyPr>
+          <a:lstStyle>
+            <a:lvl1pPr marL="228600" indent="-228600" algn="l" defTabSz="914400" rtl="0" eaLnBrk="1" latinLnBrk="0" hangingPunct="1">
+              <a:lnSpc>
+                <a:spcPct val="90000"/>
+              </a:lnSpc>
+              <a:spcBef>
+                <a:spcPts val="1000"/>
+              </a:spcBef>
+              <a:buFont typeface="Arial" panose="020B0604020202020204" pitchFamily="34" charset="0"/>
+              <a:buChar char="•"/>
+              <a:defRPr sz="2800" kern="1200">
+                <a:solidFill>
+                  <a:schemeClr val="lt1"/>
+                </a:solidFill>
+                <a:latin typeface="+mn-lt"/>
+                <a:ea typeface="+mn-ea"/>
+                <a:cs typeface="+mn-cs"/>
+              </a:defRPr>
+            </a:lvl1pPr>
+            <a:lvl2pPr marL="685800" indent="-228600" algn="l" defTabSz="914400" rtl="0" eaLnBrk="1" latinLnBrk="0" hangingPunct="1">
+              <a:lnSpc>
+                <a:spcPct val="90000"/>
+              </a:lnSpc>
+              <a:spcBef>
+                <a:spcPts val="500"/>
+              </a:spcBef>
+              <a:buFont typeface="Arial" panose="020B0604020202020204" pitchFamily="34" charset="0"/>
+              <a:buChar char="•"/>
+              <a:defRPr sz="2400" kern="1200">
+                <a:solidFill>
+                  <a:schemeClr val="lt1"/>
+                </a:solidFill>
+                <a:latin typeface="+mn-lt"/>
+                <a:ea typeface="+mn-ea"/>
+                <a:cs typeface="+mn-cs"/>
+              </a:defRPr>
+            </a:lvl2pPr>
+            <a:lvl3pPr marL="1143000" indent="-228600" algn="l" defTabSz="914400" rtl="0" eaLnBrk="1" latinLnBrk="0" hangingPunct="1">
+              <a:lnSpc>
+                <a:spcPct val="90000"/>
+              </a:lnSpc>
+              <a:spcBef>
+                <a:spcPts val="500"/>
+              </a:spcBef>
+              <a:buFont typeface="Arial" panose="020B0604020202020204" pitchFamily="34" charset="0"/>
+              <a:buChar char="•"/>
+              <a:defRPr sz="2000" kern="1200">
+                <a:solidFill>
+                  <a:schemeClr val="lt1"/>
+                </a:solidFill>
+                <a:latin typeface="+mn-lt"/>
+                <a:ea typeface="+mn-ea"/>
+                <a:cs typeface="+mn-cs"/>
+              </a:defRPr>
+            </a:lvl3pPr>
+            <a:lvl4pPr marL="1600200" indent="-228600" algn="l" defTabSz="914400" rtl="0" eaLnBrk="1" latinLnBrk="0" hangingPunct="1">
+              <a:lnSpc>
+                <a:spcPct val="90000"/>
+              </a:lnSpc>
+              <a:spcBef>
+                <a:spcPts val="500"/>
+              </a:spcBef>
+              <a:buFont typeface="Arial" panose="020B0604020202020204" pitchFamily="34" charset="0"/>
+              <a:buChar char="•"/>
+              <a:defRPr sz="1800" kern="1200">
+                <a:solidFill>
+                  <a:schemeClr val="lt1"/>
+                </a:solidFill>
+                <a:latin typeface="+mn-lt"/>
+                <a:ea typeface="+mn-ea"/>
+                <a:cs typeface="+mn-cs"/>
+              </a:defRPr>
+            </a:lvl4pPr>
+            <a:lvl5pPr marL="2057400" indent="-228600" algn="l" defTabSz="914400" rtl="0" eaLnBrk="1" latinLnBrk="0" hangingPunct="1">
+              <a:lnSpc>
+                <a:spcPct val="90000"/>
+              </a:lnSpc>
+              <a:spcBef>
+                <a:spcPts val="500"/>
+              </a:spcBef>
+              <a:buFont typeface="Arial" panose="020B0604020202020204" pitchFamily="34" charset="0"/>
+              <a:buChar char="•"/>
+              <a:defRPr sz="1800" kern="1200">
+                <a:solidFill>
+                  <a:schemeClr val="lt1"/>
+                </a:solidFill>
+                <a:latin typeface="+mn-lt"/>
+                <a:ea typeface="+mn-ea"/>
+                <a:cs typeface="+mn-cs"/>
+              </a:defRPr>
+            </a:lvl5pPr>
+            <a:lvl6pPr marL="2514600" indent="-228600" algn="l" defTabSz="914400" rtl="0" eaLnBrk="1" latinLnBrk="0" hangingPunct="1">
+              <a:lnSpc>
+                <a:spcPct val="90000"/>
+              </a:lnSpc>
+              <a:spcBef>
+                <a:spcPts val="500"/>
+              </a:spcBef>
+              <a:buFont typeface="Arial" panose="020B0604020202020204" pitchFamily="34" charset="0"/>
+              <a:buChar char="•"/>
+              <a:defRPr sz="1800" kern="1200">
+                <a:solidFill>
+                  <a:schemeClr val="lt1"/>
+                </a:solidFill>
+                <a:latin typeface="+mn-lt"/>
+                <a:ea typeface="+mn-ea"/>
+                <a:cs typeface="+mn-cs"/>
+              </a:defRPr>
+            </a:lvl6pPr>
+            <a:lvl7pPr marL="2971800" indent="-228600" algn="l" defTabSz="914400" rtl="0" eaLnBrk="1" latinLnBrk="0" hangingPunct="1">
+              <a:lnSpc>
+                <a:spcPct val="90000"/>
+              </a:lnSpc>
+              <a:spcBef>
+                <a:spcPts val="500"/>
+              </a:spcBef>
+              <a:buFont typeface="Arial" panose="020B0604020202020204" pitchFamily="34" charset="0"/>
+              <a:buChar char="•"/>
+              <a:defRPr sz="1800" kern="1200">
+                <a:solidFill>
+                  <a:schemeClr val="lt1"/>
+                </a:solidFill>
+                <a:latin typeface="+mn-lt"/>
+                <a:ea typeface="+mn-ea"/>
+                <a:cs typeface="+mn-cs"/>
+              </a:defRPr>
+            </a:lvl7pPr>
+            <a:lvl8pPr marL="3429000" indent="-228600" algn="l" defTabSz="914400" rtl="0" eaLnBrk="1" latinLnBrk="0" hangingPunct="1">
+              <a:lnSpc>
+                <a:spcPct val="90000"/>
+              </a:lnSpc>
+              <a:spcBef>
+                <a:spcPts val="500"/>
+              </a:spcBef>
+              <a:buFont typeface="Arial" panose="020B0604020202020204" pitchFamily="34" charset="0"/>
+              <a:buChar char="•"/>
+              <a:defRPr sz="1800" kern="1200">
+                <a:solidFill>
+                  <a:schemeClr val="lt1"/>
+                </a:solidFill>
+                <a:latin typeface="+mn-lt"/>
+                <a:ea typeface="+mn-ea"/>
+                <a:cs typeface="+mn-cs"/>
+              </a:defRPr>
+            </a:lvl8pPr>
+            <a:lvl9pPr marL="3886200" indent="-228600" algn="l" defTabSz="914400" rtl="0" eaLnBrk="1" latinLnBrk="0" hangingPunct="1">
+              <a:lnSpc>
+                <a:spcPct val="90000"/>
+              </a:lnSpc>
+              <a:spcBef>
+                <a:spcPts val="500"/>
+              </a:spcBef>
+              <a:buFont typeface="Arial" panose="020B0604020202020204" pitchFamily="34" charset="0"/>
+              <a:buChar char="•"/>
+              <a:defRPr sz="1800" kern="1200">
+                <a:solidFill>
+                  <a:schemeClr val="lt1"/>
+                </a:solidFill>
+                <a:latin typeface="+mn-lt"/>
+                <a:ea typeface="+mn-ea"/>
+                <a:cs typeface="+mn-cs"/>
+              </a:defRPr>
+            </a:lvl9pPr>
+          </a:lstStyle>
+          <a:p>
+            <a:r>
+              <a:rPr lang="en-US" b="1" dirty="0">
+                <a:latin typeface="Bahnschrift Light Condensed" panose="020B0502040204020203" pitchFamily="34" charset="0"/>
+              </a:rPr>
+              <a:t>Ad Boosts, Product badges,</a:t>
+            </a:r>
+          </a:p>
+          <a:p>
+            <a:r>
+              <a:rPr lang="en-US" b="1" dirty="0">
+                <a:latin typeface="Bahnschrift Light Condensed" panose="020B0502040204020203" pitchFamily="34" charset="0"/>
+              </a:rPr>
+              <a:t>Urgency text, Tag count.</a:t>
+            </a:r>
+          </a:p>
+          <a:p>
+            <a:pPr marL="0" indent="0">
+              <a:buNone/>
+            </a:pPr>
+            <a:endParaRPr lang="en-US" b="1" dirty="0">
+              <a:latin typeface="Bahnschrift Light Condensed" panose="020B0502040204020203" pitchFamily="34" charset="0"/>
+            </a:endParaRPr>
           </a:p>
         </p:txBody>
       </p:sp>
@@ -4828,8 +5229,10 @@
           <a:lstStyle/>
           <a:p>
             <a:r>
-              <a:rPr lang="en-US" dirty="0"/>
-              <a:t>Step 2: Choosing the Right Data</a:t>
+              <a:rPr lang="en-US" dirty="0">
+                <a:latin typeface="Bahnschrift" panose="020B0502040204020203" pitchFamily="34" charset="0"/>
+              </a:rPr>
+              <a:t>Ad Boosts</a:t>
             </a:r>
           </a:p>
         </p:txBody>
@@ -4850,18 +5253,275 @@
             <p:ph idx="1"/>
           </p:nvPr>
         </p:nvSpPr>
-        <p:spPr/>
-        <p:txBody>
-          <a:bodyPr/>
-          <a:lstStyle/>
-          <a:p>
-            <a:r>
-              <a:rPr lang="en-US" dirty="0"/>
-              <a:t>The I need to understand the domain and any peculiarities it might have. We touched on this in the data management section too.</a:t>
-            </a:r>
-          </a:p>
-        </p:txBody>
-      </p:sp>
+        <p:spPr>
+          <a:xfrm>
+            <a:off x="529974" y="1784528"/>
+            <a:ext cx="4185863" cy="732640"/>
+          </a:xfrm>
+        </p:spPr>
+        <p:txBody>
+          <a:bodyPr>
+            <a:normAutofit/>
+          </a:bodyPr>
+          <a:lstStyle/>
+          <a:p>
+            <a:pPr marL="0" indent="0">
+              <a:buNone/>
+            </a:pPr>
+            <a:r>
+              <a:rPr lang="en-US" sz="2000" dirty="0">
+                <a:latin typeface="Bahnschrift Light Condensed" panose="020B0502040204020203" pitchFamily="34" charset="0"/>
+              </a:rPr>
+              <a:t>Ad Boost is Wish's native advertising tool for merchants. </a:t>
+            </a:r>
+          </a:p>
+        </p:txBody>
+      </p:sp>
+      <p:sp>
+        <p:nvSpPr>
+          <p:cNvPr id="4" name="Content Placeholder 2">
+            <a:extLst>
+              <a:ext uri="{FF2B5EF4-FFF2-40B4-BE49-F238E27FC236}">
+                <a16:creationId xmlns:a16="http://schemas.microsoft.com/office/drawing/2014/main" id="{E45DEA39-6001-46DC-BF50-1FAFB0ACD45A}"/>
+              </a:ext>
+            </a:extLst>
+          </p:cNvPr>
+          <p:cNvSpPr txBox="1">
+            <a:spLocks/>
+          </p:cNvSpPr>
+          <p:nvPr/>
+        </p:nvSpPr>
+        <p:spPr>
+          <a:xfrm>
+            <a:off x="529974" y="3230615"/>
+            <a:ext cx="4607106" cy="1403030"/>
+          </a:xfrm>
+          <a:prstGeom prst="rect">
+            <a:avLst/>
+          </a:prstGeom>
+        </p:spPr>
+        <p:txBody>
+          <a:bodyPr vert="horz" lIns="91440" tIns="45720" rIns="91440" bIns="45720" rtlCol="0">
+            <a:noAutofit/>
+          </a:bodyPr>
+          <a:lstStyle>
+            <a:lvl1pPr marL="228600" indent="-228600" algn="l" defTabSz="914400" rtl="0" eaLnBrk="1" latinLnBrk="0" hangingPunct="1">
+              <a:lnSpc>
+                <a:spcPct val="90000"/>
+              </a:lnSpc>
+              <a:spcBef>
+                <a:spcPts val="1000"/>
+              </a:spcBef>
+              <a:buFont typeface="Arial" panose="020B0604020202020204" pitchFamily="34" charset="0"/>
+              <a:buChar char="•"/>
+              <a:defRPr sz="2800" kern="1200">
+                <a:solidFill>
+                  <a:schemeClr val="tx1"/>
+                </a:solidFill>
+                <a:latin typeface="+mn-lt"/>
+                <a:ea typeface="+mn-ea"/>
+                <a:cs typeface="+mn-cs"/>
+              </a:defRPr>
+            </a:lvl1pPr>
+            <a:lvl2pPr marL="685800" indent="-228600" algn="l" defTabSz="914400" rtl="0" eaLnBrk="1" latinLnBrk="0" hangingPunct="1">
+              <a:lnSpc>
+                <a:spcPct val="90000"/>
+              </a:lnSpc>
+              <a:spcBef>
+                <a:spcPts val="500"/>
+              </a:spcBef>
+              <a:buFont typeface="Arial" panose="020B0604020202020204" pitchFamily="34" charset="0"/>
+              <a:buChar char="•"/>
+              <a:defRPr sz="2400" kern="1200">
+                <a:solidFill>
+                  <a:schemeClr val="tx1"/>
+                </a:solidFill>
+                <a:latin typeface="+mn-lt"/>
+                <a:ea typeface="+mn-ea"/>
+                <a:cs typeface="+mn-cs"/>
+              </a:defRPr>
+            </a:lvl2pPr>
+            <a:lvl3pPr marL="1143000" indent="-228600" algn="l" defTabSz="914400" rtl="0" eaLnBrk="1" latinLnBrk="0" hangingPunct="1">
+              <a:lnSpc>
+                <a:spcPct val="90000"/>
+              </a:lnSpc>
+              <a:spcBef>
+                <a:spcPts val="500"/>
+              </a:spcBef>
+              <a:buFont typeface="Arial" panose="020B0604020202020204" pitchFamily="34" charset="0"/>
+              <a:buChar char="•"/>
+              <a:defRPr sz="2000" kern="1200">
+                <a:solidFill>
+                  <a:schemeClr val="tx1"/>
+                </a:solidFill>
+                <a:latin typeface="+mn-lt"/>
+                <a:ea typeface="+mn-ea"/>
+                <a:cs typeface="+mn-cs"/>
+              </a:defRPr>
+            </a:lvl3pPr>
+            <a:lvl4pPr marL="1600200" indent="-228600" algn="l" defTabSz="914400" rtl="0" eaLnBrk="1" latinLnBrk="0" hangingPunct="1">
+              <a:lnSpc>
+                <a:spcPct val="90000"/>
+              </a:lnSpc>
+              <a:spcBef>
+                <a:spcPts val="500"/>
+              </a:spcBef>
+              <a:buFont typeface="Arial" panose="020B0604020202020204" pitchFamily="34" charset="0"/>
+              <a:buChar char="•"/>
+              <a:defRPr sz="1800" kern="1200">
+                <a:solidFill>
+                  <a:schemeClr val="tx1"/>
+                </a:solidFill>
+                <a:latin typeface="+mn-lt"/>
+                <a:ea typeface="+mn-ea"/>
+                <a:cs typeface="+mn-cs"/>
+              </a:defRPr>
+            </a:lvl4pPr>
+            <a:lvl5pPr marL="2057400" indent="-228600" algn="l" defTabSz="914400" rtl="0" eaLnBrk="1" latinLnBrk="0" hangingPunct="1">
+              <a:lnSpc>
+                <a:spcPct val="90000"/>
+              </a:lnSpc>
+              <a:spcBef>
+                <a:spcPts val="500"/>
+              </a:spcBef>
+              <a:buFont typeface="Arial" panose="020B0604020202020204" pitchFamily="34" charset="0"/>
+              <a:buChar char="•"/>
+              <a:defRPr sz="1800" kern="1200">
+                <a:solidFill>
+                  <a:schemeClr val="tx1"/>
+                </a:solidFill>
+                <a:latin typeface="+mn-lt"/>
+                <a:ea typeface="+mn-ea"/>
+                <a:cs typeface="+mn-cs"/>
+              </a:defRPr>
+            </a:lvl5pPr>
+            <a:lvl6pPr marL="2514600" indent="-228600" algn="l" defTabSz="914400" rtl="0" eaLnBrk="1" latinLnBrk="0" hangingPunct="1">
+              <a:lnSpc>
+                <a:spcPct val="90000"/>
+              </a:lnSpc>
+              <a:spcBef>
+                <a:spcPts val="500"/>
+              </a:spcBef>
+              <a:buFont typeface="Arial" panose="020B0604020202020204" pitchFamily="34" charset="0"/>
+              <a:buChar char="•"/>
+              <a:defRPr sz="1800" kern="1200">
+                <a:solidFill>
+                  <a:schemeClr val="tx1"/>
+                </a:solidFill>
+                <a:latin typeface="+mn-lt"/>
+                <a:ea typeface="+mn-ea"/>
+                <a:cs typeface="+mn-cs"/>
+              </a:defRPr>
+            </a:lvl6pPr>
+            <a:lvl7pPr marL="2971800" indent="-228600" algn="l" defTabSz="914400" rtl="0" eaLnBrk="1" latinLnBrk="0" hangingPunct="1">
+              <a:lnSpc>
+                <a:spcPct val="90000"/>
+              </a:lnSpc>
+              <a:spcBef>
+                <a:spcPts val="500"/>
+              </a:spcBef>
+              <a:buFont typeface="Arial" panose="020B0604020202020204" pitchFamily="34" charset="0"/>
+              <a:buChar char="•"/>
+              <a:defRPr sz="1800" kern="1200">
+                <a:solidFill>
+                  <a:schemeClr val="tx1"/>
+                </a:solidFill>
+                <a:latin typeface="+mn-lt"/>
+                <a:ea typeface="+mn-ea"/>
+                <a:cs typeface="+mn-cs"/>
+              </a:defRPr>
+            </a:lvl7pPr>
+            <a:lvl8pPr marL="3429000" indent="-228600" algn="l" defTabSz="914400" rtl="0" eaLnBrk="1" latinLnBrk="0" hangingPunct="1">
+              <a:lnSpc>
+                <a:spcPct val="90000"/>
+              </a:lnSpc>
+              <a:spcBef>
+                <a:spcPts val="500"/>
+              </a:spcBef>
+              <a:buFont typeface="Arial" panose="020B0604020202020204" pitchFamily="34" charset="0"/>
+              <a:buChar char="•"/>
+              <a:defRPr sz="1800" kern="1200">
+                <a:solidFill>
+                  <a:schemeClr val="tx1"/>
+                </a:solidFill>
+                <a:latin typeface="+mn-lt"/>
+                <a:ea typeface="+mn-ea"/>
+                <a:cs typeface="+mn-cs"/>
+              </a:defRPr>
+            </a:lvl8pPr>
+            <a:lvl9pPr marL="3886200" indent="-228600" algn="l" defTabSz="914400" rtl="0" eaLnBrk="1" latinLnBrk="0" hangingPunct="1">
+              <a:lnSpc>
+                <a:spcPct val="90000"/>
+              </a:lnSpc>
+              <a:spcBef>
+                <a:spcPts val="500"/>
+              </a:spcBef>
+              <a:buFont typeface="Arial" panose="020B0604020202020204" pitchFamily="34" charset="0"/>
+              <a:buChar char="•"/>
+              <a:defRPr sz="1800" kern="1200">
+                <a:solidFill>
+                  <a:schemeClr val="tx1"/>
+                </a:solidFill>
+                <a:latin typeface="+mn-lt"/>
+                <a:ea typeface="+mn-ea"/>
+                <a:cs typeface="+mn-cs"/>
+              </a:defRPr>
+            </a:lvl9pPr>
+          </a:lstStyle>
+          <a:p>
+            <a:pPr marL="0" indent="0">
+              <a:buFont typeface="Arial" panose="020B0604020202020204" pitchFamily="34" charset="0"/>
+              <a:buNone/>
+            </a:pPr>
+            <a:r>
+              <a:rPr lang="en-US" sz="2000" b="0" i="0" dirty="0">
+                <a:effectLst/>
+                <a:latin typeface="Bahnschrift Light Condensed" panose="020B0502040204020203" pitchFamily="34" charset="0"/>
+              </a:rPr>
+              <a:t>Boosted products move higher up within the product rankings for the keywords associated with them. The products will show up on the Wish app and website, in search results, the related tab, and more.</a:t>
+            </a:r>
+            <a:endParaRPr lang="en-US" sz="2000" dirty="0">
+              <a:latin typeface="Bahnschrift Light Condensed" panose="020B0502040204020203" pitchFamily="34" charset="0"/>
+            </a:endParaRPr>
+          </a:p>
+        </p:txBody>
+      </p:sp>
+      <p:pic>
+        <p:nvPicPr>
+          <p:cNvPr id="6" name="Picture 5" descr="A screenshot of a cell phone&#10;&#10;Description automatically generated">
+            <a:extLst>
+              <a:ext uri="{FF2B5EF4-FFF2-40B4-BE49-F238E27FC236}">
+                <a16:creationId xmlns:a16="http://schemas.microsoft.com/office/drawing/2014/main" id="{C13622E7-B251-45B2-B212-2BFD682C1F40}"/>
+              </a:ext>
+            </a:extLst>
+          </p:cNvPr>
+          <p:cNvPicPr>
+            <a:picLocks noChangeAspect="1"/>
+          </p:cNvPicPr>
+          <p:nvPr/>
+        </p:nvPicPr>
+        <p:blipFill>
+          <a:blip r:embed="rId2">
+            <a:extLst>
+              <a:ext uri="{28A0092B-C50C-407E-A947-70E740481C1C}">
+                <a14:useLocalDpi xmlns:a14="http://schemas.microsoft.com/office/drawing/2010/main" val="0"/>
+              </a:ext>
+            </a:extLst>
+          </a:blip>
+          <a:stretch>
+            <a:fillRect/>
+          </a:stretch>
+        </p:blipFill>
+        <p:spPr>
+          <a:xfrm>
+            <a:off x="5137080" y="1378680"/>
+            <a:ext cx="6697713" cy="4100640"/>
+          </a:xfrm>
+          <a:prstGeom prst="rect">
+            <a:avLst/>
+          </a:prstGeom>
+        </p:spPr>
+      </p:pic>
     </p:spTree>
     <p:extLst>
       <p:ext uri="{BB962C8B-B14F-4D97-AF65-F5344CB8AC3E}">
@@ -4892,94 +5552,41 @@
           <a:chExt cx="0" cy="0"/>
         </a:xfrm>
       </p:grpSpPr>
-      <p:sp>
-        <p:nvSpPr>
-          <p:cNvPr id="2" name="Title 1">
-            <a:extLst>
-              <a:ext uri="{FF2B5EF4-FFF2-40B4-BE49-F238E27FC236}">
-                <a16:creationId xmlns:a16="http://schemas.microsoft.com/office/drawing/2014/main" id="{9622EA79-06C8-443F-AF56-63475B3CE197}"/>
-              </a:ext>
-            </a:extLst>
-          </p:cNvPr>
-          <p:cNvSpPr>
-            <a:spLocks noGrp="1"/>
-          </p:cNvSpPr>
-          <p:nvPr>
-            <p:ph type="title"/>
-          </p:nvPr>
-        </p:nvSpPr>
-        <p:spPr/>
-        <p:txBody>
-          <a:bodyPr/>
-          <a:lstStyle/>
-          <a:p>
-            <a:r>
-              <a:rPr lang="en-US" dirty="0"/>
-              <a:t>Step 3: Solving the Problem</a:t>
-            </a:r>
-          </a:p>
-        </p:txBody>
-      </p:sp>
-      <p:sp>
-        <p:nvSpPr>
-          <p:cNvPr id="3" name="Content Placeholder 2">
-            <a:extLst>
-              <a:ext uri="{FF2B5EF4-FFF2-40B4-BE49-F238E27FC236}">
-                <a16:creationId xmlns:a16="http://schemas.microsoft.com/office/drawing/2014/main" id="{5A47056A-9DED-446E-AB31-CF20C3D3F818}"/>
-              </a:ext>
-            </a:extLst>
-          </p:cNvPr>
-          <p:cNvSpPr>
-            <a:spLocks noGrp="1"/>
-          </p:cNvSpPr>
+      <p:pic>
+        <p:nvPicPr>
+          <p:cNvPr id="9" name="Content Placeholder 8" descr="A screenshot of a cell phone&#10;&#10;Description automatically generated">
+            <a:extLst>
+              <a:ext uri="{FF2B5EF4-FFF2-40B4-BE49-F238E27FC236}">
+                <a16:creationId xmlns:a16="http://schemas.microsoft.com/office/drawing/2014/main" id="{9770A5B0-9F62-4DF8-BCC0-C5BE2C0CCCFD}"/>
+              </a:ext>
+            </a:extLst>
+          </p:cNvPr>
+          <p:cNvPicPr>
+            <a:picLocks noGrp="1" noChangeAspect="1"/>
+          </p:cNvPicPr>
           <p:nvPr>
             <p:ph idx="1"/>
           </p:nvPr>
-        </p:nvSpPr>
-        <p:spPr/>
-        <p:txBody>
-          <a:bodyPr>
-            <a:normAutofit/>
-          </a:bodyPr>
-          <a:lstStyle/>
-          <a:p>
-            <a:r>
-              <a:rPr lang="en-US" sz="2000" dirty="0"/>
-              <a:t>Usually, most data scientists like to start by performing exploratory data analysis. They use summary metrics, graphs, and so on to gain a better understanding of the problem. In some cases, they might even present some early findings to the stakeholders. </a:t>
-            </a:r>
-          </a:p>
-          <a:p>
-            <a:r>
-              <a:rPr lang="en-US" sz="2000" dirty="0"/>
-              <a:t>Ex. “Over a two-week period, 10% of the meetings started on time. On average, meetings started 12 minutes late.”</a:t>
-            </a:r>
-          </a:p>
-          <a:p>
-            <a:r>
-              <a:rPr lang="en-US" sz="2000" dirty="0"/>
-              <a:t>The data scientist will then build a model to find a solution, but models are mainly used to answer specific questions. You can have a primary question, which in our example could be: Are people usually late for meetings?</a:t>
-            </a:r>
-          </a:p>
-          <a:p>
-            <a:r>
-              <a:rPr lang="en-US" sz="2000" dirty="0"/>
-              <a:t>But you can also have several secondary ones. In our example, they could be along the lines of : </a:t>
-            </a:r>
-          </a:p>
-          <a:p>
-            <a:r>
-              <a:rPr lang="en-US" sz="2000" dirty="0"/>
-              <a:t>‘Does the subject being covered affect how long a meeting runs? ‘</a:t>
-            </a:r>
-          </a:p>
-          <a:p>
-            <a:r>
-              <a:rPr lang="en-US" sz="2000" dirty="0"/>
-              <a:t> ‘Do the people in attendance influence how late the meeting is?’</a:t>
-            </a:r>
-          </a:p>
-        </p:txBody>
-      </p:sp>
+        </p:nvPicPr>
+        <p:blipFill>
+          <a:blip r:embed="rId2">
+            <a:extLst>
+              <a:ext uri="{28A0092B-C50C-407E-A947-70E740481C1C}">
+                <a14:useLocalDpi xmlns:a14="http://schemas.microsoft.com/office/drawing/2010/main" val="0"/>
+              </a:ext>
+            </a:extLst>
+          </a:blip>
+          <a:stretch>
+            <a:fillRect/>
+          </a:stretch>
+        </p:blipFill>
+        <p:spPr>
+          <a:xfrm>
+            <a:off x="1444862" y="751455"/>
+            <a:ext cx="9250848" cy="5385026"/>
+          </a:xfrm>
+        </p:spPr>
+      </p:pic>
     </p:spTree>
     <p:extLst>
       <p:ext uri="{BB962C8B-B14F-4D97-AF65-F5344CB8AC3E}">
@@ -5010,80 +5617,75 @@
           <a:chExt cx="0" cy="0"/>
         </a:xfrm>
       </p:grpSpPr>
-      <p:sp>
-        <p:nvSpPr>
-          <p:cNvPr id="2" name="Title 1">
-            <a:extLst>
-              <a:ext uri="{FF2B5EF4-FFF2-40B4-BE49-F238E27FC236}">
-                <a16:creationId xmlns:a16="http://schemas.microsoft.com/office/drawing/2014/main" id="{B4B741C3-5AD5-400D-9E6C-717E39C3BF59}"/>
-              </a:ext>
-            </a:extLst>
-          </p:cNvPr>
-          <p:cNvSpPr>
-            <a:spLocks noGrp="1"/>
-          </p:cNvSpPr>
-          <p:nvPr>
-            <p:ph type="title"/>
-          </p:nvPr>
-        </p:nvSpPr>
-        <p:spPr/>
-        <p:txBody>
-          <a:bodyPr/>
-          <a:lstStyle/>
-          <a:p>
-            <a:r>
-              <a:rPr lang="en-US" dirty="0"/>
-              <a:t>Step 4: Creating Value Through Actionable Insights</a:t>
-            </a:r>
-          </a:p>
-        </p:txBody>
-      </p:sp>
-      <p:sp>
-        <p:nvSpPr>
-          <p:cNvPr id="3" name="Content Placeholder 2">
-            <a:extLst>
-              <a:ext uri="{FF2B5EF4-FFF2-40B4-BE49-F238E27FC236}">
-                <a16:creationId xmlns:a16="http://schemas.microsoft.com/office/drawing/2014/main" id="{B06B0B59-9906-438C-A5F4-CC53AF3A2382}"/>
-              </a:ext>
-            </a:extLst>
-          </p:cNvPr>
-          <p:cNvSpPr>
-            <a:spLocks noGrp="1"/>
-          </p:cNvSpPr>
+      <p:pic>
+        <p:nvPicPr>
+          <p:cNvPr id="5" name="Content Placeholder 4" descr="A screenshot of a cell phone&#10;&#10;Description automatically generated">
+            <a:extLst>
+              <a:ext uri="{FF2B5EF4-FFF2-40B4-BE49-F238E27FC236}">
+                <a16:creationId xmlns:a16="http://schemas.microsoft.com/office/drawing/2014/main" id="{F3FF70D2-0A8D-41A7-B572-04C25D66218D}"/>
+              </a:ext>
+            </a:extLst>
+          </p:cNvPr>
+          <p:cNvPicPr>
+            <a:picLocks noGrp="1" noChangeAspect="1"/>
+          </p:cNvPicPr>
           <p:nvPr>
             <p:ph idx="1"/>
           </p:nvPr>
-        </p:nvSpPr>
-        <p:spPr/>
-        <p:txBody>
-          <a:bodyPr>
-            <a:normAutofit/>
+        </p:nvPicPr>
+        <p:blipFill>
+          <a:blip r:embed="rId2">
+            <a:extLst>
+              <a:ext uri="{28A0092B-C50C-407E-A947-70E740481C1C}">
+                <a14:useLocalDpi xmlns:a14="http://schemas.microsoft.com/office/drawing/2010/main" val="0"/>
+              </a:ext>
+            </a:extLst>
+          </a:blip>
+          <a:stretch>
+            <a:fillRect/>
+          </a:stretch>
+        </p:blipFill>
+        <p:spPr>
+          <a:xfrm>
+            <a:off x="2189764" y="1525361"/>
+            <a:ext cx="7812471" cy="4708102"/>
+          </a:xfrm>
+        </p:spPr>
+      </p:pic>
+      <p:sp>
+        <p:nvSpPr>
+          <p:cNvPr id="6" name="TextBox 5">
+            <a:extLst>
+              <a:ext uri="{FF2B5EF4-FFF2-40B4-BE49-F238E27FC236}">
+                <a16:creationId xmlns:a16="http://schemas.microsoft.com/office/drawing/2014/main" id="{C168E71B-437F-412F-A099-CBF94BF80883}"/>
+              </a:ext>
+            </a:extLst>
+          </p:cNvPr>
+          <p:cNvSpPr txBox="1"/>
+          <p:nvPr/>
+        </p:nvSpPr>
+        <p:spPr>
+          <a:xfrm>
+            <a:off x="775855" y="439871"/>
+            <a:ext cx="10972800" cy="1015663"/>
+          </a:xfrm>
+          <a:prstGeom prst="rect">
+            <a:avLst/>
+          </a:prstGeom>
+          <a:noFill/>
+        </p:spPr>
+        <p:txBody>
+          <a:bodyPr wrap="square" rtlCol="0">
+            <a:spAutoFit/>
           </a:bodyPr>
           <a:lstStyle/>
           <a:p>
             <a:r>
-              <a:rPr lang="en-US" sz="2000" dirty="0"/>
-              <a:t>By this point, the data scientist has built one or more models to answer the aforementioned questions, so we can move on to the final step, namely, to extract actionable insights from the models.</a:t>
-            </a:r>
-          </a:p>
-          <a:p>
-            <a:r>
-              <a:rPr lang="en-US" sz="2000" dirty="0"/>
-              <a:t>Essentially, the models are useless if you don’t act on them. The first step to taking action is to understand the impact of the results. A good way to do that is to translate the findings into monetary terms.</a:t>
-            </a:r>
-          </a:p>
-          <a:p>
-            <a:r>
-              <a:rPr lang="en-US" sz="2000" dirty="0"/>
-              <a:t>‘In other words, if the time period studied for late meetings is typical, then each employee loses an hour per day, which costs the company $X per year.’</a:t>
-            </a:r>
-          </a:p>
-          <a:p>
-            <a:r>
-              <a:rPr lang="en-US" sz="2000" dirty="0"/>
-              <a:t>It’s also a good idea to go beyond the results, though. This cycle of modeling, translating the results, and then taking action can also be a very good learning experience for you. When you go through this process, other questions pop up. This is the point when some of those secondary questions mentioned in step 3 arise.</a:t>
-            </a:r>
-            <a:endParaRPr lang="en-US" sz="3200" dirty="0"/>
+              <a:rPr lang="en-US" sz="6000" dirty="0">
+                <a:latin typeface="Bahnschrift" panose="020B0502040204020203" pitchFamily="34" charset="0"/>
+              </a:rPr>
+              <a:t>Badges </a:t>
+            </a:r>
           </a:p>
         </p:txBody>
       </p:sp>
@@ -5117,56 +5719,41 @@
           <a:chExt cx="0" cy="0"/>
         </a:xfrm>
       </p:grpSpPr>
-      <p:sp>
-        <p:nvSpPr>
-          <p:cNvPr id="2" name="Title 1">
-            <a:extLst>
-              <a:ext uri="{FF2B5EF4-FFF2-40B4-BE49-F238E27FC236}">
-                <a16:creationId xmlns:a16="http://schemas.microsoft.com/office/drawing/2014/main" id="{F12210FC-6693-475A-9EF8-A9F677F4AC79}"/>
-              </a:ext>
-            </a:extLst>
-          </p:cNvPr>
-          <p:cNvSpPr>
-            <a:spLocks noGrp="1"/>
-          </p:cNvSpPr>
-          <p:nvPr>
-            <p:ph type="title"/>
-          </p:nvPr>
-        </p:nvSpPr>
-        <p:spPr/>
-        <p:txBody>
-          <a:bodyPr/>
-          <a:lstStyle/>
-          <a:p>
-            <a:endParaRPr lang="en-US"/>
-          </a:p>
-        </p:txBody>
-      </p:sp>
-      <p:sp>
-        <p:nvSpPr>
-          <p:cNvPr id="3" name="Content Placeholder 2">
-            <a:extLst>
-              <a:ext uri="{FF2B5EF4-FFF2-40B4-BE49-F238E27FC236}">
-                <a16:creationId xmlns:a16="http://schemas.microsoft.com/office/drawing/2014/main" id="{21E63456-F9CC-4DFA-B232-B05CEBA640A7}"/>
-              </a:ext>
-            </a:extLst>
-          </p:cNvPr>
-          <p:cNvSpPr>
-            <a:spLocks noGrp="1"/>
-          </p:cNvSpPr>
+      <p:pic>
+        <p:nvPicPr>
+          <p:cNvPr id="5" name="Content Placeholder 4">
+            <a:extLst>
+              <a:ext uri="{FF2B5EF4-FFF2-40B4-BE49-F238E27FC236}">
+                <a16:creationId xmlns:a16="http://schemas.microsoft.com/office/drawing/2014/main" id="{A6E01D78-A347-48DE-9D30-033172F8D339}"/>
+              </a:ext>
+            </a:extLst>
+          </p:cNvPr>
+          <p:cNvPicPr>
+            <a:picLocks noGrp="1" noChangeAspect="1"/>
+          </p:cNvPicPr>
           <p:nvPr>
             <p:ph idx="1"/>
           </p:nvPr>
-        </p:nvSpPr>
-        <p:spPr/>
-        <p:txBody>
-          <a:bodyPr/>
-          <a:lstStyle/>
-          <a:p>
-            <a:endParaRPr lang="en-US"/>
-          </a:p>
-        </p:txBody>
-      </p:sp>
+        </p:nvPicPr>
+        <p:blipFill>
+          <a:blip r:embed="rId2">
+            <a:extLst>
+              <a:ext uri="{28A0092B-C50C-407E-A947-70E740481C1C}">
+                <a14:useLocalDpi xmlns:a14="http://schemas.microsoft.com/office/drawing/2010/main" val="0"/>
+              </a:ext>
+            </a:extLst>
+          </a:blip>
+          <a:stretch>
+            <a:fillRect/>
+          </a:stretch>
+        </p:blipFill>
+        <p:spPr>
+          <a:xfrm>
+            <a:off x="1783304" y="867102"/>
+            <a:ext cx="8660317" cy="5219047"/>
+          </a:xfrm>
+        </p:spPr>
+      </p:pic>
     </p:spTree>
     <p:extLst>
       <p:ext uri="{BB962C8B-B14F-4D97-AF65-F5344CB8AC3E}">
